--- a/PlanProjektu.pptx
+++ b/PlanProjektu.pptx
@@ -279,7 +279,7 @@
           <a:p>
             <a:fld id="{D9FF3705-B239-E446-9857-7E31E25D9499}" type="datetimeFigureOut">
               <a:rPr lang="pl-PL" smtClean="0"/>
-              <a:t>23.10.2022</a:t>
+              <a:t>27.10.2022</a:t>
             </a:fld>
             <a:endParaRPr lang="pl-PL"/>
           </a:p>
@@ -449,7 +449,7 @@
           <a:p>
             <a:fld id="{D9FF3705-B239-E446-9857-7E31E25D9499}" type="datetimeFigureOut">
               <a:rPr lang="pl-PL" smtClean="0"/>
-              <a:t>23.10.2022</a:t>
+              <a:t>27.10.2022</a:t>
             </a:fld>
             <a:endParaRPr lang="pl-PL"/>
           </a:p>
@@ -629,7 +629,7 @@
           <a:p>
             <a:fld id="{D9FF3705-B239-E446-9857-7E31E25D9499}" type="datetimeFigureOut">
               <a:rPr lang="pl-PL" smtClean="0"/>
-              <a:t>23.10.2022</a:t>
+              <a:t>27.10.2022</a:t>
             </a:fld>
             <a:endParaRPr lang="pl-PL"/>
           </a:p>
@@ -799,7 +799,7 @@
           <a:p>
             <a:fld id="{D9FF3705-B239-E446-9857-7E31E25D9499}" type="datetimeFigureOut">
               <a:rPr lang="pl-PL" smtClean="0"/>
-              <a:t>23.10.2022</a:t>
+              <a:t>27.10.2022</a:t>
             </a:fld>
             <a:endParaRPr lang="pl-PL"/>
           </a:p>
@@ -1067,7 +1067,7 @@
           <a:p>
             <a:fld id="{D9FF3705-B239-E446-9857-7E31E25D9499}" type="datetimeFigureOut">
               <a:rPr lang="pl-PL" smtClean="0"/>
-              <a:t>23.10.2022</a:t>
+              <a:t>27.10.2022</a:t>
             </a:fld>
             <a:endParaRPr lang="pl-PL"/>
           </a:p>
@@ -1299,7 +1299,7 @@
           <a:p>
             <a:fld id="{D9FF3705-B239-E446-9857-7E31E25D9499}" type="datetimeFigureOut">
               <a:rPr lang="pl-PL" smtClean="0"/>
-              <a:t>23.10.2022</a:t>
+              <a:t>27.10.2022</a:t>
             </a:fld>
             <a:endParaRPr lang="pl-PL"/>
           </a:p>
@@ -1658,7 +1658,7 @@
           <a:p>
             <a:fld id="{D9FF3705-B239-E446-9857-7E31E25D9499}" type="datetimeFigureOut">
               <a:rPr lang="pl-PL" smtClean="0"/>
-              <a:t>23.10.2022</a:t>
+              <a:t>27.10.2022</a:t>
             </a:fld>
             <a:endParaRPr lang="pl-PL"/>
           </a:p>
@@ -1799,7 +1799,7 @@
           <a:p>
             <a:fld id="{D9FF3705-B239-E446-9857-7E31E25D9499}" type="datetimeFigureOut">
               <a:rPr lang="pl-PL" smtClean="0"/>
-              <a:t>23.10.2022</a:t>
+              <a:t>27.10.2022</a:t>
             </a:fld>
             <a:endParaRPr lang="pl-PL"/>
           </a:p>
@@ -1894,7 +1894,7 @@
           <a:p>
             <a:fld id="{D9FF3705-B239-E446-9857-7E31E25D9499}" type="datetimeFigureOut">
               <a:rPr lang="pl-PL" smtClean="0"/>
-              <a:t>23.10.2022</a:t>
+              <a:t>27.10.2022</a:t>
             </a:fld>
             <a:endParaRPr lang="pl-PL"/>
           </a:p>
@@ -2251,7 +2251,7 @@
           <a:p>
             <a:fld id="{D9FF3705-B239-E446-9857-7E31E25D9499}" type="datetimeFigureOut">
               <a:rPr lang="pl-PL" smtClean="0"/>
-              <a:t>23.10.2022</a:t>
+              <a:t>27.10.2022</a:t>
             </a:fld>
             <a:endParaRPr lang="pl-PL"/>
           </a:p>
@@ -2608,7 +2608,7 @@
           <a:p>
             <a:fld id="{D9FF3705-B239-E446-9857-7E31E25D9499}" type="datetimeFigureOut">
               <a:rPr lang="pl-PL" smtClean="0"/>
-              <a:t>23.10.2022</a:t>
+              <a:t>27.10.2022</a:t>
             </a:fld>
             <a:endParaRPr lang="pl-PL"/>
           </a:p>
@@ -2850,7 +2850,7 @@
           <a:p>
             <a:fld id="{D9FF3705-B239-E446-9857-7E31E25D9499}" type="datetimeFigureOut">
               <a:rPr lang="pl-PL" smtClean="0"/>
-              <a:t>23.10.2022</a:t>
+              <a:t>27.10.2022</a:t>
             </a:fld>
             <a:endParaRPr lang="pl-PL"/>
           </a:p>
@@ -3759,7 +3759,7 @@
         </p:nvSpPr>
         <p:spPr>
           <a:xfrm>
-            <a:off x="2231136" y="964692"/>
+            <a:off x="2231136" y="720143"/>
             <a:ext cx="7327534" cy="885373"/>
           </a:xfrm>
         </p:spPr>
@@ -3792,19 +3792,27 @@
         </p:nvSpPr>
         <p:spPr>
           <a:xfrm>
-            <a:off x="2231136" y="2115879"/>
-            <a:ext cx="8241935" cy="3668233"/>
+            <a:off x="2231136" y="1850065"/>
+            <a:ext cx="8847990" cy="4072270"/>
           </a:xfrm>
         </p:spPr>
         <p:txBody>
           <a:bodyPr>
-            <a:normAutofit fontScale="92500" lnSpcReduction="20000"/>
+            <a:normAutofit fontScale="85000" lnSpcReduction="10000"/>
           </a:bodyPr>
           <a:lstStyle/>
           <a:p>
             <a:r>
               <a:rPr lang="pl-PL" dirty="0"/>
-              <a:t>Pierwszy etap </a:t>
+              <a:t>Pierwszy </a:t>
+            </a:r>
+            <a:r>
+              <a:rPr lang="pl-PL"/>
+              <a:t>etap –  </a:t>
+            </a:r>
+            <a:r>
+              <a:rPr lang="pl-PL" dirty="0"/>
+              <a:t>14.11.2022</a:t>
             </a:r>
           </a:p>
           <a:p>
@@ -3819,7 +3827,7 @@
           <a:p>
             <a:r>
               <a:rPr lang="pl-PL" dirty="0"/>
-              <a:t>Drugi etap</a:t>
+              <a:t>Drugi etap – 28.11.2022</a:t>
             </a:r>
           </a:p>
           <a:p>
@@ -3834,7 +3842,7 @@
           <a:p>
             <a:r>
               <a:rPr lang="pl-PL" dirty="0"/>
-              <a:t>Trzeci etap </a:t>
+              <a:t>Trzeci etap – 12.12.2022</a:t>
             </a:r>
           </a:p>
           <a:p>
@@ -3849,7 +3857,7 @@
           <a:p>
             <a:r>
               <a:rPr lang="pl-PL" dirty="0"/>
-              <a:t>Czwarty etap</a:t>
+              <a:t>Czwarty etap – 02.01.2022</a:t>
             </a:r>
           </a:p>
           <a:p>
@@ -3864,7 +3872,7 @@
           <a:p>
             <a:r>
               <a:rPr lang="pl-PL" dirty="0"/>
-              <a:t>Piąty etap</a:t>
+              <a:t>Piąty etap – 09.01.2022</a:t>
             </a:r>
           </a:p>
           <a:p>
@@ -3877,10 +3885,19 @@
             </a:r>
           </a:p>
           <a:p>
+            <a:r>
+              <a:rPr lang="pl-PL" dirty="0"/>
+              <a:t>Szósty etap – 30.01.2022</a:t>
+            </a:r>
+          </a:p>
+          <a:p>
             <a:pPr marL="0" indent="0">
               <a:buNone/>
             </a:pPr>
-            <a:endParaRPr lang="pl-PL" dirty="0"/>
+            <a:r>
+              <a:rPr lang="pl-PL" dirty="0"/>
+              <a:t>Poprawki, ewentualne dodanie elementów niebędące głównym rdzeniem gry</a:t>
+            </a:r>
           </a:p>
           <a:p>
             <a:pPr marL="0" indent="0">
